--- a/Presentations/NUCLEI_May2019/tropiano_highlight_extra.pptx
+++ b/Presentations/NUCLEI_May2019/tropiano_highlight_extra.pptx
@@ -5,7 +5,8 @@
     <p:sldMasterId id="2147483648" r:id="rId1"/>
   </p:sldMasterIdLst>
   <p:sldIdLst>
-    <p:sldId id="256" r:id="rId2"/>
+    <p:sldId id="258" r:id="rId2"/>
+    <p:sldId id="256" r:id="rId3"/>
   </p:sldIdLst>
   <p:sldSz cx="12192000" cy="6858000"/>
   <p:notesSz cx="6858000" cy="9144000"/>
@@ -3339,45 +3340,18 @@
         </p:nvSpPr>
         <p:spPr/>
         <p:txBody>
-          <a:bodyPr/>
+          <a:bodyPr>
+            <a:normAutofit/>
+          </a:bodyPr>
           <a:lstStyle/>
           <a:p>
             <a:r>
-              <a:rPr lang="en-US" dirty="0"/>
-              <a:t>Operator evolution</a:t>
-            </a:r>
-          </a:p>
-        </p:txBody>
-      </p:sp>
-      <p:pic>
-        <p:nvPicPr>
-          <p:cNvPr id="7" name="Content Placeholder 6">
-            <a:extLst>
-              <a:ext uri="{FF2B5EF4-FFF2-40B4-BE49-F238E27FC236}">
-                <a16:creationId xmlns:a16="http://schemas.microsoft.com/office/drawing/2014/main" id="{5E6066CB-E72F-9A47-B1CA-BCE0D8545B4A}"/>
-              </a:ext>
-            </a:extLst>
-          </p:cNvPr>
-          <p:cNvPicPr>
-            <a:picLocks noGrp="1" noChangeAspect="1"/>
-          </p:cNvPicPr>
-          <p:nvPr>
-            <p:ph idx="1"/>
-          </p:nvPr>
-        </p:nvPicPr>
-        <p:blipFill>
-          <a:blip r:embed="rId2"/>
-          <a:stretch>
-            <a:fillRect/>
-          </a:stretch>
-        </p:blipFill>
-        <p:spPr>
-          <a:xfrm>
-            <a:off x="1038213" y="1690688"/>
-            <a:ext cx="5268151" cy="4351338"/>
-          </a:xfrm>
-        </p:spPr>
-      </p:pic>
+              <a:rPr lang="en-US" sz="3600" dirty="0"/>
+              <a:t>SRG-evolved momentum distributions</a:t>
+            </a:r>
+          </a:p>
+        </p:txBody>
+      </p:sp>
       <mc:AlternateContent xmlns:mc="http://schemas.openxmlformats.org/markup-compatibility/2006">
         <mc:Choice xmlns:a14="http://schemas.microsoft.com/office/drawing/2010/main" Requires="a14">
           <p:sp>
@@ -3396,8 +3370,615 @@
             </p:nvSpPr>
             <p:spPr bwMode="auto">
               <a:xfrm>
-                <a:off x="6297732" y="1518907"/>
-                <a:ext cx="2532350" cy="2147873"/>
+                <a:off x="478430" y="5789622"/>
+                <a:ext cx="11152879" cy="1325563"/>
+              </a:xfrm>
+              <a:prstGeom prst="rect">
+                <a:avLst/>
+              </a:prstGeom>
+              <a:noFill/>
+              <a:ln>
+                <a:noFill/>
+              </a:ln>
+              <a:effectLst/>
+              <a:extLst>
+                <a:ext uri="{909E8E84-426E-40DD-AFC4-6F175D3DCCD1}">
+                  <a14:hiddenFill>
+                    <a:solidFill>
+                      <a:srgbClr val="FFFFFF"/>
+                    </a:solidFill>
+                  </a14:hiddenFill>
+                </a:ext>
+                <a:ext uri="{91240B29-F687-4F45-9708-019B960494DF}">
+                  <a14:hiddenLine w="12700" cap="flat" cmpd="sng">
+                    <a:solidFill>
+                      <a:srgbClr val="000000"/>
+                    </a:solidFill>
+                    <a:prstDash val="solid"/>
+                    <a:miter lim="400000"/>
+                    <a:headEnd type="none" w="med" len="med"/>
+                    <a:tailEnd type="none" w="med" len="med"/>
+                  </a14:hiddenLine>
+                </a:ext>
+                <a:ext uri="{AF507438-7753-43E0-B8FC-AC1667EBCBE1}">
+                  <a14:hiddenEffects>
+                    <a:effectLst>
+                      <a:outerShdw dist="35921" dir="2700000" algn="ctr" rotWithShape="0">
+                        <a:srgbClr val="808080"/>
+                      </a:outerShdw>
+                    </a:effectLst>
+                  </a14:hiddenEffects>
+                </a:ext>
+              </a:extLst>
+            </p:spPr>
+            <p:txBody>
+              <a:bodyPr wrap="square" lIns="50800" tIns="50800" rIns="50800" bIns="50800" anchor="t" anchorCtr="0">
+                <a:noAutofit/>
+              </a:bodyPr>
+              <a:lstStyle/>
+              <a:p>
+                <a:pPr algn="just"/>
+                <a:r>
+                  <a:rPr lang="en-US" altLang="en-US" sz="2000" b="1" dirty="0">
+                    <a:latin typeface="Calibri" panose="020F0502020204030204" pitchFamily="34" charset="0"/>
+                    <a:ea typeface="Calibri" panose="020F0502020204030204" pitchFamily="34" charset="0"/>
+                    <a:cs typeface="Calibri" panose="020F0502020204030204" pitchFamily="34" charset="0"/>
+                    <a:sym typeface="Calibri" panose="020F0502020204030204" pitchFamily="34" charset="0"/>
+                  </a:rPr>
+                  <a:t>Figure: </a:t>
+                </a:r>
+                <a:r>
+                  <a:rPr lang="en-US" altLang="en-US" sz="2000" dirty="0">
+                    <a:latin typeface="Calibri" panose="020F0502020204030204" pitchFamily="34" charset="0"/>
+                    <a:ea typeface="Calibri" panose="020F0502020204030204" pitchFamily="34" charset="0"/>
+                    <a:cs typeface="Calibri" panose="020F0502020204030204" pitchFamily="34" charset="0"/>
+                    <a:sym typeface="Calibri" panose="020F0502020204030204" pitchFamily="34" charset="0"/>
+                  </a:rPr>
+                  <a:t>SRG block-diagonal evolution of the momentum distribution operator </a:t>
+                </a:r>
+                <a14:m>
+                  <m:oMath xmlns:m="http://schemas.openxmlformats.org/officeDocument/2006/math">
+                    <m:d>
+                      <m:dPr>
+                        <m:begChr m:val="⟨"/>
+                        <m:endChr m:val="⟩"/>
+                        <m:ctrlPr>
+                          <a:rPr lang="en-US" altLang="en-US" sz="2000" i="1" smtClean="0">
+                            <a:latin typeface="Cambria Math" panose="02040503050406030204" pitchFamily="18" charset="0"/>
+                            <a:cs typeface="Calibri" panose="020F0502020204030204" pitchFamily="34" charset="0"/>
+                            <a:sym typeface="Calibri" panose="020F0502020204030204" pitchFamily="34" charset="0"/>
+                          </a:rPr>
+                        </m:ctrlPr>
+                      </m:dPr>
+                      <m:e>
+                        <m:r>
+                          <a:rPr lang="en-US" altLang="en-US" sz="2000" b="0" i="1" smtClean="0">
+                            <a:latin typeface="Cambria Math" panose="02040503050406030204" pitchFamily="18" charset="0"/>
+                            <a:cs typeface="Calibri" panose="020F0502020204030204" pitchFamily="34" charset="0"/>
+                            <a:sym typeface="Calibri" panose="020F0502020204030204" pitchFamily="34" charset="0"/>
+                          </a:rPr>
+                          <m:t>𝑘</m:t>
+                        </m:r>
+                      </m:e>
+                      <m:e>
+                        <m:sSubSup>
+                          <m:sSubSupPr>
+                            <m:ctrlPr>
+                              <a:rPr lang="en-US" altLang="en-US" sz="2000" i="1" smtClean="0">
+                                <a:latin typeface="Cambria Math" panose="02040503050406030204" pitchFamily="18" charset="0"/>
+                                <a:cs typeface="Calibri" panose="020F0502020204030204" pitchFamily="34" charset="0"/>
+                                <a:sym typeface="Calibri" panose="020F0502020204030204" pitchFamily="34" charset="0"/>
+                              </a:rPr>
+                            </m:ctrlPr>
+                          </m:sSubSupPr>
+                          <m:e>
+                            <m:r>
+                              <a:rPr lang="en-US" altLang="en-US" sz="2000" b="0" i="1" smtClean="0">
+                                <a:latin typeface="Cambria Math" panose="02040503050406030204" pitchFamily="18" charset="0"/>
+                                <a:cs typeface="Calibri" panose="020F0502020204030204" pitchFamily="34" charset="0"/>
+                                <a:sym typeface="Calibri" panose="020F0502020204030204" pitchFamily="34" charset="0"/>
+                              </a:rPr>
+                              <m:t>𝑎</m:t>
+                            </m:r>
+                          </m:e>
+                          <m:sub>
+                            <m:r>
+                              <a:rPr lang="en-US" altLang="en-US" sz="2000" b="0" i="1" smtClean="0">
+                                <a:latin typeface="Cambria Math" panose="02040503050406030204" pitchFamily="18" charset="0"/>
+                                <a:cs typeface="Calibri" panose="020F0502020204030204" pitchFamily="34" charset="0"/>
+                                <a:sym typeface="Calibri" panose="020F0502020204030204" pitchFamily="34" charset="0"/>
+                              </a:rPr>
+                              <m:t>𝑞</m:t>
+                            </m:r>
+                          </m:sub>
+                          <m:sup>
+                            <m:r>
+                              <a:rPr lang="en-US" altLang="en-US" sz="2000" i="1" smtClean="0">
+                                <a:latin typeface="Cambria Math" panose="02040503050406030204" pitchFamily="18" charset="0"/>
+                                <a:ea typeface="Cambria Math" panose="02040503050406030204" pitchFamily="18" charset="0"/>
+                                <a:cs typeface="Calibri" panose="020F0502020204030204" pitchFamily="34" charset="0"/>
+                                <a:sym typeface="Calibri" panose="020F0502020204030204" pitchFamily="34" charset="0"/>
+                              </a:rPr>
+                              <m:t>†</m:t>
+                            </m:r>
+                          </m:sup>
+                        </m:sSubSup>
+                        <m:sSub>
+                          <m:sSubPr>
+                            <m:ctrlPr>
+                              <a:rPr lang="en-US" altLang="en-US" sz="2000" i="1" smtClean="0">
+                                <a:latin typeface="Cambria Math" panose="02040503050406030204" pitchFamily="18" charset="0"/>
+                                <a:cs typeface="Calibri" panose="020F0502020204030204" pitchFamily="34" charset="0"/>
+                                <a:sym typeface="Calibri" panose="020F0502020204030204" pitchFamily="34" charset="0"/>
+                              </a:rPr>
+                            </m:ctrlPr>
+                          </m:sSubPr>
+                          <m:e>
+                            <m:r>
+                              <a:rPr lang="en-US" altLang="en-US" sz="2000" b="0" i="1" smtClean="0">
+                                <a:latin typeface="Cambria Math" panose="02040503050406030204" pitchFamily="18" charset="0"/>
+                                <a:cs typeface="Calibri" panose="020F0502020204030204" pitchFamily="34" charset="0"/>
+                                <a:sym typeface="Calibri" panose="020F0502020204030204" pitchFamily="34" charset="0"/>
+                              </a:rPr>
+                              <m:t>𝑎</m:t>
+                            </m:r>
+                          </m:e>
+                          <m:sub>
+                            <m:r>
+                              <a:rPr lang="en-US" altLang="en-US" sz="2000" b="0" i="1" smtClean="0">
+                                <a:latin typeface="Cambria Math" panose="02040503050406030204" pitchFamily="18" charset="0"/>
+                                <a:cs typeface="Calibri" panose="020F0502020204030204" pitchFamily="34" charset="0"/>
+                                <a:sym typeface="Calibri" panose="020F0502020204030204" pitchFamily="34" charset="0"/>
+                              </a:rPr>
+                              <m:t>𝑞</m:t>
+                            </m:r>
+                          </m:sub>
+                        </m:sSub>
+                      </m:e>
+                      <m:e>
+                        <m:r>
+                          <a:rPr lang="en-US" altLang="en-US" sz="2000" b="0" i="1" smtClean="0">
+                            <a:latin typeface="Cambria Math" panose="02040503050406030204" pitchFamily="18" charset="0"/>
+                            <a:cs typeface="Calibri" panose="020F0502020204030204" pitchFamily="34" charset="0"/>
+                            <a:sym typeface="Calibri" panose="020F0502020204030204" pitchFamily="34" charset="0"/>
+                          </a:rPr>
+                          <m:t>𝑘</m:t>
+                        </m:r>
+                        <m:r>
+                          <a:rPr lang="en-US" altLang="en-US" sz="2000" b="0" i="1" smtClean="0">
+                            <a:latin typeface="Cambria Math" panose="02040503050406030204" pitchFamily="18" charset="0"/>
+                            <a:cs typeface="Calibri" panose="020F0502020204030204" pitchFamily="34" charset="0"/>
+                            <a:sym typeface="Calibri" panose="020F0502020204030204" pitchFamily="34" charset="0"/>
+                          </a:rPr>
+                          <m:t>′</m:t>
+                        </m:r>
+                      </m:e>
+                    </m:d>
+                  </m:oMath>
+                </a14:m>
+                <a:r>
+                  <a:rPr lang="en-US" altLang="en-US" sz="2000" dirty="0">
+                    <a:latin typeface="Calibri" panose="020F0502020204030204" pitchFamily="34" charset="0"/>
+                    <a:ea typeface="Calibri" panose="020F0502020204030204" pitchFamily="34" charset="0"/>
+                    <a:cs typeface="Calibri" panose="020F0502020204030204" pitchFamily="34" charset="0"/>
+                    <a:sym typeface="Calibri" panose="020F0502020204030204" pitchFamily="34" charset="0"/>
+                  </a:rPr>
+                  <a:t> for </a:t>
+                </a:r>
+                <a14:m>
+                  <m:oMath xmlns:m="http://schemas.openxmlformats.org/officeDocument/2006/math">
+                    <m:r>
+                      <a:rPr lang="en-US" altLang="en-US" sz="2000" b="0" i="1" smtClean="0">
+                        <a:latin typeface="Cambria Math" panose="02040503050406030204" pitchFamily="18" charset="0"/>
+                        <a:ea typeface="Calibri" panose="020F0502020204030204" pitchFamily="34" charset="0"/>
+                        <a:cs typeface="Calibri" panose="020F0502020204030204" pitchFamily="34" charset="0"/>
+                        <a:sym typeface="Calibri" panose="020F0502020204030204" pitchFamily="34" charset="0"/>
+                      </a:rPr>
+                      <m:t>𝑞</m:t>
+                    </m:r>
+                    <m:r>
+                      <a:rPr lang="en-US" altLang="en-US" sz="2000" b="0" i="1" smtClean="0">
+                        <a:latin typeface="Cambria Math" panose="02040503050406030204" pitchFamily="18" charset="0"/>
+                        <a:ea typeface="Cambria Math" panose="02040503050406030204" pitchFamily="18" charset="0"/>
+                        <a:cs typeface="Calibri" panose="020F0502020204030204" pitchFamily="34" charset="0"/>
+                        <a:sym typeface="Calibri" panose="020F0502020204030204" pitchFamily="34" charset="0"/>
+                      </a:rPr>
+                      <m:t>≐</m:t>
+                    </m:r>
+                    <m:r>
+                      <a:rPr lang="en-US" altLang="en-US" sz="2000" b="0" i="1" smtClean="0">
+                        <a:latin typeface="Cambria Math" panose="02040503050406030204" pitchFamily="18" charset="0"/>
+                        <a:ea typeface="Calibri" panose="020F0502020204030204" pitchFamily="34" charset="0"/>
+                        <a:cs typeface="Calibri" panose="020F0502020204030204" pitchFamily="34" charset="0"/>
+                        <a:sym typeface="Calibri" panose="020F0502020204030204" pitchFamily="34" charset="0"/>
+                      </a:rPr>
+                      <m:t>3</m:t>
+                    </m:r>
+                  </m:oMath>
+                </a14:m>
+                <a:r>
+                  <a:rPr lang="en-US" altLang="en-US" sz="2000" dirty="0">
+                    <a:latin typeface="Calibri" panose="020F0502020204030204" pitchFamily="34" charset="0"/>
+                    <a:ea typeface="Calibri" panose="020F0502020204030204" pitchFamily="34" charset="0"/>
+                    <a:cs typeface="Calibri" panose="020F0502020204030204" pitchFamily="34" charset="0"/>
+                    <a:sym typeface="Calibri" panose="020F0502020204030204" pitchFamily="34" charset="0"/>
+                  </a:rPr>
+                  <a:t> fm</a:t>
+                </a:r>
+                <a:r>
+                  <a:rPr lang="en-US" altLang="en-US" sz="2000" baseline="30000" dirty="0">
+                    <a:latin typeface="Calibri" panose="020F0502020204030204" pitchFamily="34" charset="0"/>
+                    <a:ea typeface="Calibri" panose="020F0502020204030204" pitchFamily="34" charset="0"/>
+                    <a:cs typeface="Calibri" panose="020F0502020204030204" pitchFamily="34" charset="0"/>
+                    <a:sym typeface="Calibri" panose="020F0502020204030204" pitchFamily="34" charset="0"/>
+                  </a:rPr>
+                  <a:t>-1</a:t>
+                </a:r>
+                <a:r>
+                  <a:rPr lang="en-US" altLang="en-US" sz="2000" dirty="0">
+                    <a:latin typeface="Calibri" panose="020F0502020204030204" pitchFamily="34" charset="0"/>
+                    <a:ea typeface="Calibri" panose="020F0502020204030204" pitchFamily="34" charset="0"/>
+                    <a:cs typeface="Calibri" panose="020F0502020204030204" pitchFamily="34" charset="0"/>
+                    <a:sym typeface="Calibri" panose="020F0502020204030204" pitchFamily="34" charset="0"/>
+                  </a:rPr>
+                  <a:t> in the </a:t>
+                </a:r>
+                <a:r>
+                  <a:rPr lang="en-US" altLang="en-US" sz="2000" baseline="30000" dirty="0">
+                    <a:latin typeface="Calibri" panose="020F0502020204030204" pitchFamily="34" charset="0"/>
+                    <a:ea typeface="Calibri" panose="020F0502020204030204" pitchFamily="34" charset="0"/>
+                    <a:cs typeface="Calibri" panose="020F0502020204030204" pitchFamily="34" charset="0"/>
+                    <a:sym typeface="Calibri" panose="020F0502020204030204" pitchFamily="34" charset="0"/>
+                  </a:rPr>
+                  <a:t>3</a:t>
+                </a:r>
+                <a:r>
+                  <a:rPr lang="en-US" altLang="en-US" sz="2000" dirty="0">
+                    <a:latin typeface="Calibri" panose="020F0502020204030204" pitchFamily="34" charset="0"/>
+                    <a:ea typeface="Calibri" panose="020F0502020204030204" pitchFamily="34" charset="0"/>
+                    <a:cs typeface="Calibri" panose="020F0502020204030204" pitchFamily="34" charset="0"/>
+                    <a:sym typeface="Calibri" panose="020F0502020204030204" pitchFamily="34" charset="0"/>
+                  </a:rPr>
+                  <a:t>S</a:t>
+                </a:r>
+                <a:r>
+                  <a:rPr lang="en-US" altLang="en-US" sz="2000" baseline="-25000" dirty="0">
+                    <a:latin typeface="Calibri" panose="020F0502020204030204" pitchFamily="34" charset="0"/>
+                    <a:ea typeface="Calibri" panose="020F0502020204030204" pitchFamily="34" charset="0"/>
+                    <a:cs typeface="Calibri" panose="020F0502020204030204" pitchFamily="34" charset="0"/>
+                    <a:sym typeface="Calibri" panose="020F0502020204030204" pitchFamily="34" charset="0"/>
+                  </a:rPr>
+                  <a:t>1</a:t>
+                </a:r>
+                <a:r>
+                  <a:rPr lang="en-US" altLang="en-US" sz="2000" dirty="0">
+                    <a:latin typeface="Calibri" panose="020F0502020204030204" pitchFamily="34" charset="0"/>
+                    <a:ea typeface="Calibri" panose="020F0502020204030204" pitchFamily="34" charset="0"/>
+                    <a:cs typeface="Calibri" panose="020F0502020204030204" pitchFamily="34" charset="0"/>
+                    <a:sym typeface="Calibri" panose="020F0502020204030204" pitchFamily="34" charset="0"/>
+                  </a:rPr>
+                  <a:t> partial wave evolved from </a:t>
+                </a:r>
+                <a14:m>
+                  <m:oMath xmlns:m="http://schemas.openxmlformats.org/officeDocument/2006/math">
+                    <m:r>
+                      <a:rPr lang="en-US" altLang="en-US" sz="2000" i="1" smtClean="0">
+                        <a:latin typeface="Cambria Math" panose="02040503050406030204" pitchFamily="18" charset="0"/>
+                        <a:ea typeface="Cambria Math" panose="02040503050406030204" pitchFamily="18" charset="0"/>
+                        <a:cs typeface="Calibri" panose="020F0502020204030204" pitchFamily="34" charset="0"/>
+                        <a:sym typeface="Calibri" panose="020F0502020204030204" pitchFamily="34" charset="0"/>
+                      </a:rPr>
+                      <m:t>𝜆</m:t>
+                    </m:r>
+                    <m:r>
+                      <a:rPr lang="en-US" altLang="en-US" sz="2000" b="0" i="1" smtClean="0">
+                        <a:latin typeface="Cambria Math" panose="02040503050406030204" pitchFamily="18" charset="0"/>
+                        <a:ea typeface="Cambria Math" panose="02040503050406030204" pitchFamily="18" charset="0"/>
+                        <a:cs typeface="Calibri" panose="020F0502020204030204" pitchFamily="34" charset="0"/>
+                        <a:sym typeface="Calibri" panose="020F0502020204030204" pitchFamily="34" charset="0"/>
+                      </a:rPr>
+                      <m:t>=10</m:t>
+                    </m:r>
+                  </m:oMath>
+                </a14:m>
+                <a:r>
+                  <a:rPr lang="en-US" altLang="en-US" sz="2000" dirty="0">
+                    <a:latin typeface="Calibri" panose="020F0502020204030204" pitchFamily="34" charset="0"/>
+                    <a:ea typeface="Calibri" panose="020F0502020204030204" pitchFamily="34" charset="0"/>
+                    <a:cs typeface="Calibri" panose="020F0502020204030204" pitchFamily="34" charset="0"/>
+                    <a:sym typeface="Calibri" panose="020F0502020204030204" pitchFamily="34" charset="0"/>
+                  </a:rPr>
+                  <a:t> to </a:t>
+                </a:r>
+                <a14:m>
+                  <m:oMath xmlns:m="http://schemas.openxmlformats.org/officeDocument/2006/math">
+                    <m:r>
+                      <a:rPr lang="en-US" altLang="en-US" sz="2000" b="0" i="1" smtClean="0">
+                        <a:latin typeface="Cambria Math" panose="02040503050406030204" pitchFamily="18" charset="0"/>
+                        <a:ea typeface="Calibri" panose="020F0502020204030204" pitchFamily="34" charset="0"/>
+                        <a:cs typeface="Calibri" panose="020F0502020204030204" pitchFamily="34" charset="0"/>
+                        <a:sym typeface="Calibri" panose="020F0502020204030204" pitchFamily="34" charset="0"/>
+                      </a:rPr>
+                      <m:t>1.</m:t>
+                    </m:r>
+                    <m:r>
+                      <a:rPr lang="en-US" altLang="en-US" sz="2000" b="0" i="1" smtClean="0">
+                        <a:latin typeface="Cambria Math" panose="02040503050406030204" pitchFamily="18" charset="0"/>
+                        <a:ea typeface="Calibri" panose="020F0502020204030204" pitchFamily="34" charset="0"/>
+                        <a:cs typeface="Calibri" panose="020F0502020204030204" pitchFamily="34" charset="0"/>
+                        <a:sym typeface="Calibri" panose="020F0502020204030204" pitchFamily="34" charset="0"/>
+                      </a:rPr>
+                      <m:t>5</m:t>
+                    </m:r>
+                  </m:oMath>
+                </a14:m>
+                <a:r>
+                  <a:rPr lang="en-US" altLang="en-US" sz="2000" dirty="0">
+                    <a:latin typeface="Calibri" panose="020F0502020204030204" pitchFamily="34" charset="0"/>
+                    <a:ea typeface="Calibri" panose="020F0502020204030204" pitchFamily="34" charset="0"/>
+                    <a:cs typeface="Calibri" panose="020F0502020204030204" pitchFamily="34" charset="0"/>
+                    <a:sym typeface="Calibri" panose="020F0502020204030204" pitchFamily="34" charset="0"/>
+                  </a:rPr>
+                  <a:t> fm</a:t>
+                </a:r>
+                <a:r>
+                  <a:rPr lang="en-US" altLang="en-US" sz="2000" baseline="30000" dirty="0">
+                    <a:latin typeface="Calibri" panose="020F0502020204030204" pitchFamily="34" charset="0"/>
+                    <a:ea typeface="Calibri" panose="020F0502020204030204" pitchFamily="34" charset="0"/>
+                    <a:cs typeface="Calibri" panose="020F0502020204030204" pitchFamily="34" charset="0"/>
+                    <a:sym typeface="Calibri" panose="020F0502020204030204" pitchFamily="34" charset="0"/>
+                  </a:rPr>
+                  <a:t>-1</a:t>
+                </a:r>
+                <a:r>
+                  <a:rPr lang="en-US" altLang="en-US" sz="2000" dirty="0">
+                    <a:latin typeface="Calibri" panose="020F0502020204030204" pitchFamily="34" charset="0"/>
+                    <a:ea typeface="Calibri" panose="020F0502020204030204" pitchFamily="34" charset="0"/>
+                    <a:cs typeface="Calibri" panose="020F0502020204030204" pitchFamily="34" charset="0"/>
+                    <a:sym typeface="Calibri" panose="020F0502020204030204" pitchFamily="34" charset="0"/>
+                  </a:rPr>
+                  <a:t>, with a semi-local chiral NN potential (Reinert et al., 2018). Split low- and high-momenta sub-blocks at 2 (left) and 3 (right) fm</a:t>
+                </a:r>
+                <a:r>
+                  <a:rPr lang="en-US" altLang="en-US" sz="2000" baseline="30000" dirty="0">
+                    <a:latin typeface="Calibri" panose="020F0502020204030204" pitchFamily="34" charset="0"/>
+                    <a:ea typeface="Calibri" panose="020F0502020204030204" pitchFamily="34" charset="0"/>
+                    <a:cs typeface="Calibri" panose="020F0502020204030204" pitchFamily="34" charset="0"/>
+                    <a:sym typeface="Calibri" panose="020F0502020204030204" pitchFamily="34" charset="0"/>
+                  </a:rPr>
+                  <a:t>-1</a:t>
+                </a:r>
+                <a:r>
+                  <a:rPr lang="en-US" altLang="en-US" sz="2000" dirty="0">
+                    <a:latin typeface="Calibri" panose="020F0502020204030204" pitchFamily="34" charset="0"/>
+                    <a:ea typeface="Calibri" panose="020F0502020204030204" pitchFamily="34" charset="0"/>
+                    <a:cs typeface="Calibri" panose="020F0502020204030204" pitchFamily="34" charset="0"/>
+                    <a:sym typeface="Calibri" panose="020F0502020204030204" pitchFamily="34" charset="0"/>
+                  </a:rPr>
+                  <a:t>.</a:t>
+                </a:r>
+              </a:p>
+            </p:txBody>
+          </p:sp>
+        </mc:Choice>
+        <mc:Fallback>
+          <p:sp>
+            <p:nvSpPr>
+              <p:cNvPr id="9" name="Text Box 7">
+                <a:extLst>
+                  <a:ext uri="{FF2B5EF4-FFF2-40B4-BE49-F238E27FC236}">
+                    <a16:creationId xmlns:a16="http://schemas.microsoft.com/office/drawing/2014/main" id="{CD8A4BBA-BC1B-F845-A3CB-7241DE7C8479}"/>
+                  </a:ext>
+                </a:extLst>
+              </p:cNvPr>
+              <p:cNvSpPr txBox="1">
+                <a:spLocks noRot="1" noChangeAspect="1" noMove="1" noResize="1" noEditPoints="1" noAdjustHandles="1" noChangeArrowheads="1" noChangeShapeType="1" noTextEdit="1"/>
+              </p:cNvSpPr>
+              <p:nvPr/>
+            </p:nvSpPr>
+            <p:spPr bwMode="auto">
+              <a:xfrm>
+                <a:off x="478430" y="5789622"/>
+                <a:ext cx="11152879" cy="1325563"/>
+              </a:xfrm>
+              <a:prstGeom prst="rect">
+                <a:avLst/>
+              </a:prstGeom>
+              <a:blipFill>
+                <a:blip r:embed="rId2"/>
+                <a:stretch>
+                  <a:fillRect l="-910" r="-910"/>
+                </a:stretch>
+              </a:blipFill>
+              <a:ln>
+                <a:noFill/>
+              </a:ln>
+              <a:effectLst/>
+              <a:extLst>
+                <a:ext uri="{909E8E84-426E-40DD-AFC4-6F175D3DCCD1}">
+                  <a14:hiddenFill xmlns:a14="http://schemas.microsoft.com/office/drawing/2010/main">
+                    <a:solidFill>
+                      <a:srgbClr val="FFFFFF"/>
+                    </a:solidFill>
+                  </a14:hiddenFill>
+                </a:ext>
+                <a:ext uri="{91240B29-F687-4F45-9708-019B960494DF}">
+                  <a14:hiddenLine xmlns:a14="http://schemas.microsoft.com/office/drawing/2010/main" w="12700" cap="flat" cmpd="sng">
+                    <a:solidFill>
+                      <a:srgbClr val="000000"/>
+                    </a:solidFill>
+                    <a:prstDash val="solid"/>
+                    <a:miter lim="400000"/>
+                    <a:headEnd type="none" w="med" len="med"/>
+                    <a:tailEnd type="none" w="med" len="med"/>
+                  </a14:hiddenLine>
+                </a:ext>
+                <a:ext uri="{AF507438-7753-43E0-B8FC-AC1667EBCBE1}">
+                  <a14:hiddenEffects xmlns:a14="http://schemas.microsoft.com/office/drawing/2010/main">
+                    <a:effectLst>
+                      <a:outerShdw dist="35921" dir="2700000" algn="ctr" rotWithShape="0">
+                        <a:srgbClr val="808080"/>
+                      </a:outerShdw>
+                    </a:effectLst>
+                  </a14:hiddenEffects>
+                </a:ext>
+              </a:extLst>
+            </p:spPr>
+            <p:txBody>
+              <a:bodyPr/>
+              <a:lstStyle/>
+              <a:p>
+                <a:r>
+                  <a:rPr lang="en-US">
+                    <a:noFill/>
+                  </a:rPr>
+                  <a:t> </a:t>
+                </a:r>
+              </a:p>
+            </p:txBody>
+          </p:sp>
+        </mc:Fallback>
+      </mc:AlternateContent>
+      <p:pic>
+        <p:nvPicPr>
+          <p:cNvPr id="6" name="Picture 5">
+            <a:extLst>
+              <a:ext uri="{FF2B5EF4-FFF2-40B4-BE49-F238E27FC236}">
+                <a16:creationId xmlns:a16="http://schemas.microsoft.com/office/drawing/2014/main" id="{5427877F-8BA0-AE45-8D8A-80AEA6F008DE}"/>
+              </a:ext>
+            </a:extLst>
+          </p:cNvPr>
+          <p:cNvPicPr>
+            <a:picLocks noChangeAspect="1"/>
+          </p:cNvPicPr>
+          <p:nvPr/>
+        </p:nvPicPr>
+        <p:blipFill>
+          <a:blip r:embed="rId3"/>
+          <a:stretch>
+            <a:fillRect/>
+          </a:stretch>
+        </p:blipFill>
+        <p:spPr>
+          <a:xfrm>
+            <a:off x="6373509" y="1250673"/>
+            <a:ext cx="5535305" cy="4572000"/>
+          </a:xfrm>
+          <a:prstGeom prst="rect">
+            <a:avLst/>
+          </a:prstGeom>
+        </p:spPr>
+      </p:pic>
+      <p:pic>
+        <p:nvPicPr>
+          <p:cNvPr id="7" name="Picture 6">
+            <a:extLst>
+              <a:ext uri="{FF2B5EF4-FFF2-40B4-BE49-F238E27FC236}">
+                <a16:creationId xmlns:a16="http://schemas.microsoft.com/office/drawing/2014/main" id="{24750322-07AD-B247-BE37-4E2D4FF810AC}"/>
+              </a:ext>
+            </a:extLst>
+          </p:cNvPr>
+          <p:cNvPicPr>
+            <a:picLocks noChangeAspect="1"/>
+          </p:cNvPicPr>
+          <p:nvPr/>
+        </p:nvPicPr>
+        <p:blipFill>
+          <a:blip r:embed="rId4"/>
+          <a:stretch>
+            <a:fillRect/>
+          </a:stretch>
+        </p:blipFill>
+        <p:spPr>
+          <a:xfrm>
+            <a:off x="283186" y="1250673"/>
+            <a:ext cx="5535306" cy="4572000"/>
+          </a:xfrm>
+          <a:prstGeom prst="rect">
+            <a:avLst/>
+          </a:prstGeom>
+        </p:spPr>
+      </p:pic>
+    </p:spTree>
+    <p:extLst>
+      <p:ext uri="{BB962C8B-B14F-4D97-AF65-F5344CB8AC3E}">
+        <p14:creationId xmlns:p14="http://schemas.microsoft.com/office/powerpoint/2010/main" val="4067236412"/>
+      </p:ext>
+    </p:extLst>
+  </p:cSld>
+  <p:clrMapOvr>
+    <a:masterClrMapping/>
+  </p:clrMapOvr>
+</p:sld>
+</file>
+
+<file path=ppt/slides/slide2.xml><?xml version="1.0" encoding="utf-8"?>
+<p:sld xmlns:a="http://schemas.openxmlformats.org/drawingml/2006/main" xmlns:r="http://schemas.openxmlformats.org/officeDocument/2006/relationships" xmlns:p="http://schemas.openxmlformats.org/presentationml/2006/main">
+  <p:cSld>
+    <p:spTree>
+      <p:nvGrpSpPr>
+        <p:cNvPr id="1" name=""/>
+        <p:cNvGrpSpPr/>
+        <p:nvPr/>
+      </p:nvGrpSpPr>
+      <p:grpSpPr>
+        <a:xfrm>
+          <a:off x="0" y="0"/>
+          <a:ext cx="0" cy="0"/>
+          <a:chOff x="0" y="0"/>
+          <a:chExt cx="0" cy="0"/>
+        </a:xfrm>
+      </p:grpSpPr>
+      <p:sp>
+        <p:nvSpPr>
+          <p:cNvPr id="4" name="Title 3">
+            <a:extLst>
+              <a:ext uri="{FF2B5EF4-FFF2-40B4-BE49-F238E27FC236}">
+                <a16:creationId xmlns:a16="http://schemas.microsoft.com/office/drawing/2014/main" id="{5ED6D31E-104B-CB45-AB6C-D655617B99A6}"/>
+              </a:ext>
+            </a:extLst>
+          </p:cNvPr>
+          <p:cNvSpPr>
+            <a:spLocks noGrp="1"/>
+          </p:cNvSpPr>
+          <p:nvPr>
+            <p:ph type="title"/>
+          </p:nvPr>
+        </p:nvSpPr>
+        <p:spPr/>
+        <p:txBody>
+          <a:bodyPr>
+            <a:normAutofit/>
+          </a:bodyPr>
+          <a:lstStyle/>
+          <a:p>
+            <a:r>
+              <a:rPr lang="en-US" sz="3600" dirty="0"/>
+              <a:t>SRG-evolved momentum distributions</a:t>
+            </a:r>
+          </a:p>
+        </p:txBody>
+      </p:sp>
+      <mc:AlternateContent xmlns:mc="http://schemas.openxmlformats.org/markup-compatibility/2006">
+        <mc:Choice xmlns:a14="http://schemas.microsoft.com/office/drawing/2010/main" Requires="a14">
+          <p:sp>
+            <p:nvSpPr>
+              <p:cNvPr id="9" name="Text Box 7">
+                <a:extLst>
+                  <a:ext uri="{FF2B5EF4-FFF2-40B4-BE49-F238E27FC236}">
+                    <a16:creationId xmlns:a16="http://schemas.microsoft.com/office/drawing/2014/main" id="{CD8A4BBA-BC1B-F845-A3CB-7241DE7C8479}"/>
+                  </a:ext>
+                </a:extLst>
+              </p:cNvPr>
+              <p:cNvSpPr txBox="1">
+                <a:spLocks/>
+              </p:cNvSpPr>
+              <p:nvPr/>
+            </p:nvSpPr>
+            <p:spPr bwMode="auto">
+              <a:xfrm>
+                <a:off x="478430" y="5789622"/>
+                <a:ext cx="11152879" cy="1325563"/>
               </a:xfrm>
               <a:prstGeom prst="rect">
                 <a:avLst/>
@@ -3725,7 +4306,16 @@
                         <a:cs typeface="Calibri" panose="020F0502020204030204" pitchFamily="34" charset="0"/>
                         <a:sym typeface="Calibri" panose="020F0502020204030204" pitchFamily="34" charset="0"/>
                       </a:rPr>
-                      <m:t>1.2</m:t>
+                      <m:t>1.</m:t>
+                    </m:r>
+                    <m:r>
+                      <a:rPr lang="en-US" altLang="en-US" sz="2000" b="0" i="1" smtClean="0">
+                        <a:latin typeface="Cambria Math" panose="02040503050406030204" pitchFamily="18" charset="0"/>
+                        <a:ea typeface="Calibri" panose="020F0502020204030204" pitchFamily="34" charset="0"/>
+                        <a:cs typeface="Calibri" panose="020F0502020204030204" pitchFamily="34" charset="0"/>
+                        <a:sym typeface="Calibri" panose="020F0502020204030204" pitchFamily="34" charset="0"/>
+                      </a:rPr>
+                      <m:t>5</m:t>
                     </m:r>
                   </m:oMath>
                 </a14:m>
@@ -3754,7 +4344,117 @@
                     <a:cs typeface="Calibri" panose="020F0502020204030204" pitchFamily="34" charset="0"/>
                     <a:sym typeface="Calibri" panose="020F0502020204030204" pitchFamily="34" charset="0"/>
                   </a:rPr>
-                  <a:t>, with a semi-local chiral NN potential (Reinert et al., 2018). </a:t>
+                  <a:t>, with a local chiral NN potential where </a:t>
+                </a:r>
+                <a14:m>
+                  <m:oMath xmlns:m="http://schemas.openxmlformats.org/officeDocument/2006/math">
+                    <m:sSub>
+                      <m:sSubPr>
+                        <m:ctrlPr>
+                          <a:rPr lang="en-US" altLang="en-US" sz="2000" i="1" smtClean="0">
+                            <a:latin typeface="Cambria Math" panose="02040503050406030204" pitchFamily="18" charset="0"/>
+                            <a:cs typeface="Calibri" panose="020F0502020204030204" pitchFamily="34" charset="0"/>
+                            <a:sym typeface="Calibri" panose="020F0502020204030204" pitchFamily="34" charset="0"/>
+                          </a:rPr>
+                        </m:ctrlPr>
+                      </m:sSubPr>
+                      <m:e>
+                        <m:r>
+                          <a:rPr lang="en-US" altLang="en-US" sz="2000" b="0" i="1" smtClean="0">
+                            <a:latin typeface="Cambria Math" panose="02040503050406030204" pitchFamily="18" charset="0"/>
+                            <a:cs typeface="Calibri" panose="020F0502020204030204" pitchFamily="34" charset="0"/>
+                            <a:sym typeface="Calibri" panose="020F0502020204030204" pitchFamily="34" charset="0"/>
+                          </a:rPr>
+                          <m:t>𝑅</m:t>
+                        </m:r>
+                      </m:e>
+                      <m:sub>
+                        <m:r>
+                          <a:rPr lang="en-US" altLang="en-US" sz="2000" b="0" i="1" smtClean="0">
+                            <a:latin typeface="Cambria Math" panose="02040503050406030204" pitchFamily="18" charset="0"/>
+                            <a:cs typeface="Calibri" panose="020F0502020204030204" pitchFamily="34" charset="0"/>
+                            <a:sym typeface="Calibri" panose="020F0502020204030204" pitchFamily="34" charset="0"/>
+                          </a:rPr>
+                          <m:t>0</m:t>
+                        </m:r>
+                      </m:sub>
+                    </m:sSub>
+                    <m:r>
+                      <a:rPr lang="en-US" altLang="en-US" sz="2000" b="0" i="1" smtClean="0">
+                        <a:latin typeface="Cambria Math" panose="02040503050406030204" pitchFamily="18" charset="0"/>
+                        <a:cs typeface="Calibri" panose="020F0502020204030204" pitchFamily="34" charset="0"/>
+                        <a:sym typeface="Calibri" panose="020F0502020204030204" pitchFamily="34" charset="0"/>
+                      </a:rPr>
+                      <m:t>=1.0</m:t>
+                    </m:r>
+                  </m:oMath>
+                </a14:m>
+                <a:r>
+                  <a:rPr lang="en-US" altLang="en-US" sz="2000" dirty="0">
+                    <a:latin typeface="Calibri" panose="020F0502020204030204" pitchFamily="34" charset="0"/>
+                    <a:ea typeface="Calibri" panose="020F0502020204030204" pitchFamily="34" charset="0"/>
+                    <a:cs typeface="Calibri" panose="020F0502020204030204" pitchFamily="34" charset="0"/>
+                    <a:sym typeface="Calibri" panose="020F0502020204030204" pitchFamily="34" charset="0"/>
+                  </a:rPr>
+                  <a:t> (left) and </a:t>
+                </a:r>
+                <a14:m>
+                  <m:oMath xmlns:m="http://schemas.openxmlformats.org/officeDocument/2006/math">
+                    <m:r>
+                      <a:rPr lang="en-US" altLang="en-US" sz="2000" b="0" i="1" smtClean="0">
+                        <a:latin typeface="Cambria Math" panose="02040503050406030204" pitchFamily="18" charset="0"/>
+                        <a:ea typeface="Calibri" panose="020F0502020204030204" pitchFamily="34" charset="0"/>
+                        <a:cs typeface="Calibri" panose="020F0502020204030204" pitchFamily="34" charset="0"/>
+                        <a:sym typeface="Calibri" panose="020F0502020204030204" pitchFamily="34" charset="0"/>
+                      </a:rPr>
+                      <m:t>1.2</m:t>
+                    </m:r>
+                  </m:oMath>
+                </a14:m>
+                <a:r>
+                  <a:rPr lang="en-US" altLang="en-US" sz="2000" dirty="0">
+                    <a:latin typeface="Calibri" panose="020F0502020204030204" pitchFamily="34" charset="0"/>
+                    <a:ea typeface="Calibri" panose="020F0502020204030204" pitchFamily="34" charset="0"/>
+                    <a:cs typeface="Calibri" panose="020F0502020204030204" pitchFamily="34" charset="0"/>
+                    <a:sym typeface="Calibri" panose="020F0502020204030204" pitchFamily="34" charset="0"/>
+                  </a:rPr>
+                  <a:t> (right) </a:t>
+                </a:r>
+                <a:r>
+                  <a:rPr lang="en-US" altLang="en-US" sz="2000" dirty="0" err="1">
+                    <a:latin typeface="Calibri" panose="020F0502020204030204" pitchFamily="34" charset="0"/>
+                    <a:ea typeface="Calibri" panose="020F0502020204030204" pitchFamily="34" charset="0"/>
+                    <a:cs typeface="Calibri" panose="020F0502020204030204" pitchFamily="34" charset="0"/>
+                    <a:sym typeface="Calibri" panose="020F0502020204030204" pitchFamily="34" charset="0"/>
+                  </a:rPr>
+                  <a:t>fm</a:t>
+                </a:r>
+                <a:r>
+                  <a:rPr lang="en-US" altLang="en-US" sz="2000" dirty="0">
+                    <a:latin typeface="Calibri" panose="020F0502020204030204" pitchFamily="34" charset="0"/>
+                    <a:ea typeface="Calibri" panose="020F0502020204030204" pitchFamily="34" charset="0"/>
+                    <a:cs typeface="Calibri" panose="020F0502020204030204" pitchFamily="34" charset="0"/>
+                    <a:sym typeface="Calibri" panose="020F0502020204030204" pitchFamily="34" charset="0"/>
+                  </a:rPr>
+                  <a:t> (</a:t>
+                </a:r>
+                <a:r>
+                  <a:rPr lang="en-US" altLang="en-US" sz="2000" dirty="0" err="1">
+                    <a:latin typeface="Calibri" panose="020F0502020204030204" pitchFamily="34" charset="0"/>
+                    <a:ea typeface="Calibri" panose="020F0502020204030204" pitchFamily="34" charset="0"/>
+                    <a:cs typeface="Calibri" panose="020F0502020204030204" pitchFamily="34" charset="0"/>
+                    <a:sym typeface="Calibri" panose="020F0502020204030204" pitchFamily="34" charset="0"/>
+                  </a:rPr>
+                  <a:t>Gezerlis</a:t>
+                </a:r>
+                <a:r>
+                  <a:rPr lang="en-US" altLang="en-US" sz="2000" dirty="0">
+                    <a:latin typeface="Calibri" panose="020F0502020204030204" pitchFamily="34" charset="0"/>
+                    <a:ea typeface="Calibri" panose="020F0502020204030204" pitchFamily="34" charset="0"/>
+                    <a:cs typeface="Calibri" panose="020F0502020204030204" pitchFamily="34" charset="0"/>
+                    <a:sym typeface="Calibri" panose="020F0502020204030204" pitchFamily="34" charset="0"/>
+                  </a:rPr>
+                  <a:t> et al., 2014).</a:t>
                 </a:r>
               </a:p>
             </p:txBody>
@@ -3777,16 +4477,16 @@
             </p:nvSpPr>
             <p:spPr bwMode="auto">
               <a:xfrm>
-                <a:off x="6297732" y="1518907"/>
-                <a:ext cx="2532350" cy="2147873"/>
+                <a:off x="478430" y="5789622"/>
+                <a:ext cx="11152879" cy="1325563"/>
               </a:xfrm>
               <a:prstGeom prst="rect">
                 <a:avLst/>
               </a:prstGeom>
               <a:blipFill>
-                <a:blip r:embed="rId3"/>
+                <a:blip r:embed="rId2"/>
                 <a:stretch>
-                  <a:fillRect l="-4000" t="-1775" r="-4000" b="-54438"/>
+                  <a:fillRect l="-910" r="-910"/>
                 </a:stretch>
               </a:blipFill>
               <a:ln>
@@ -3838,6 +4538,66 @@
           </p:sp>
         </mc:Fallback>
       </mc:AlternateContent>
+      <p:pic>
+        <p:nvPicPr>
+          <p:cNvPr id="11" name="Picture 10">
+            <a:extLst>
+              <a:ext uri="{FF2B5EF4-FFF2-40B4-BE49-F238E27FC236}">
+                <a16:creationId xmlns:a16="http://schemas.microsoft.com/office/drawing/2014/main" id="{B64945F1-5F65-6548-8761-2881754D6F07}"/>
+              </a:ext>
+            </a:extLst>
+          </p:cNvPr>
+          <p:cNvPicPr>
+            <a:picLocks noChangeAspect="1"/>
+          </p:cNvPicPr>
+          <p:nvPr/>
+        </p:nvPicPr>
+        <p:blipFill>
+          <a:blip r:embed="rId3"/>
+          <a:stretch>
+            <a:fillRect/>
+          </a:stretch>
+        </p:blipFill>
+        <p:spPr>
+          <a:xfrm>
+            <a:off x="283183" y="1250673"/>
+            <a:ext cx="5535309" cy="4572000"/>
+          </a:xfrm>
+          <a:prstGeom prst="rect">
+            <a:avLst/>
+          </a:prstGeom>
+        </p:spPr>
+      </p:pic>
+      <p:pic>
+        <p:nvPicPr>
+          <p:cNvPr id="17" name="Picture 16">
+            <a:extLst>
+              <a:ext uri="{FF2B5EF4-FFF2-40B4-BE49-F238E27FC236}">
+                <a16:creationId xmlns:a16="http://schemas.microsoft.com/office/drawing/2014/main" id="{E0C62055-9A01-E24A-B636-3CFE532B1166}"/>
+              </a:ext>
+            </a:extLst>
+          </p:cNvPr>
+          <p:cNvPicPr>
+            <a:picLocks noChangeAspect="1"/>
+          </p:cNvPicPr>
+          <p:nvPr/>
+        </p:nvPicPr>
+        <p:blipFill>
+          <a:blip r:embed="rId4"/>
+          <a:stretch>
+            <a:fillRect/>
+          </a:stretch>
+        </p:blipFill>
+        <p:spPr>
+          <a:xfrm>
+            <a:off x="6373509" y="1250673"/>
+            <a:ext cx="5535305" cy="4572000"/>
+          </a:xfrm>
+          <a:prstGeom prst="rect">
+            <a:avLst/>
+          </a:prstGeom>
+        </p:spPr>
+      </p:pic>
     </p:spTree>
     <p:extLst>
       <p:ext uri="{BB962C8B-B14F-4D97-AF65-F5344CB8AC3E}">
